--- a/Core Concepts/Data Scaling/Data scaling.pptx
+++ b/Core Concepts/Data Scaling/Data scaling.pptx
@@ -10,6 +10,10 @@
     <p:sldId id="258" r:id="rId4"/>
     <p:sldId id="259" r:id="rId5"/>
     <p:sldId id="260" r:id="rId6"/>
+    <p:sldId id="261" r:id="rId7"/>
+    <p:sldId id="264" r:id="rId8"/>
+    <p:sldId id="262" r:id="rId9"/>
+    <p:sldId id="263" r:id="rId10"/>
   </p:sldIdLst>
   <p:sldSz cx="12192000" cy="6858000"/>
   <p:notesSz cx="6858000" cy="9144000"/>
@@ -108,6 +112,11 @@
       </a:defRPr>
     </a:lvl9pPr>
   </p:defaultTextStyle>
+  <p:extLst>
+    <p:ext uri="{EFAFB233-063F-42B5-8137-9DF3F51BA10A}">
+      <p15:sldGuideLst xmlns:p15="http://schemas.microsoft.com/office/powerpoint/2012/main"/>
+    </p:ext>
+  </p:extLst>
 </p:presentation>
 </file>
 
@@ -258,7 +267,7 @@
           <a:p>
             <a:fld id="{F0966E41-30C9-42EA-B537-3A4232D579C8}" type="datetimeFigureOut">
               <a:rPr lang="en-US" smtClean="0"/>
-              <a:t>7/19/2025</a:t>
+              <a:t>7/22/2025</a:t>
             </a:fld>
             <a:endParaRPr lang="en-US"/>
           </a:p>
@@ -456,7 +465,7 @@
           <a:p>
             <a:fld id="{F0966E41-30C9-42EA-B537-3A4232D579C8}" type="datetimeFigureOut">
               <a:rPr lang="en-US" smtClean="0"/>
-              <a:t>7/19/2025</a:t>
+              <a:t>7/22/2025</a:t>
             </a:fld>
             <a:endParaRPr lang="en-US"/>
           </a:p>
@@ -664,7 +673,7 @@
           <a:p>
             <a:fld id="{F0966E41-30C9-42EA-B537-3A4232D579C8}" type="datetimeFigureOut">
               <a:rPr lang="en-US" smtClean="0"/>
-              <a:t>7/19/2025</a:t>
+              <a:t>7/22/2025</a:t>
             </a:fld>
             <a:endParaRPr lang="en-US"/>
           </a:p>
@@ -862,7 +871,7 @@
           <a:p>
             <a:fld id="{F0966E41-30C9-42EA-B537-3A4232D579C8}" type="datetimeFigureOut">
               <a:rPr lang="en-US" smtClean="0"/>
-              <a:t>7/19/2025</a:t>
+              <a:t>7/22/2025</a:t>
             </a:fld>
             <a:endParaRPr lang="en-US"/>
           </a:p>
@@ -1137,7 +1146,7 @@
           <a:p>
             <a:fld id="{F0966E41-30C9-42EA-B537-3A4232D579C8}" type="datetimeFigureOut">
               <a:rPr lang="en-US" smtClean="0"/>
-              <a:t>7/19/2025</a:t>
+              <a:t>7/22/2025</a:t>
             </a:fld>
             <a:endParaRPr lang="en-US"/>
           </a:p>
@@ -1402,7 +1411,7 @@
           <a:p>
             <a:fld id="{F0966E41-30C9-42EA-B537-3A4232D579C8}" type="datetimeFigureOut">
               <a:rPr lang="en-US" smtClean="0"/>
-              <a:t>7/19/2025</a:t>
+              <a:t>7/22/2025</a:t>
             </a:fld>
             <a:endParaRPr lang="en-US"/>
           </a:p>
@@ -1814,7 +1823,7 @@
           <a:p>
             <a:fld id="{F0966E41-30C9-42EA-B537-3A4232D579C8}" type="datetimeFigureOut">
               <a:rPr lang="en-US" smtClean="0"/>
-              <a:t>7/19/2025</a:t>
+              <a:t>7/22/2025</a:t>
             </a:fld>
             <a:endParaRPr lang="en-US"/>
           </a:p>
@@ -1955,7 +1964,7 @@
           <a:p>
             <a:fld id="{F0966E41-30C9-42EA-B537-3A4232D579C8}" type="datetimeFigureOut">
               <a:rPr lang="en-US" smtClean="0"/>
-              <a:t>7/19/2025</a:t>
+              <a:t>7/22/2025</a:t>
             </a:fld>
             <a:endParaRPr lang="en-US"/>
           </a:p>
@@ -2068,7 +2077,7 @@
           <a:p>
             <a:fld id="{F0966E41-30C9-42EA-B537-3A4232D579C8}" type="datetimeFigureOut">
               <a:rPr lang="en-US" smtClean="0"/>
-              <a:t>7/19/2025</a:t>
+              <a:t>7/22/2025</a:t>
             </a:fld>
             <a:endParaRPr lang="en-US"/>
           </a:p>
@@ -2379,7 +2388,7 @@
           <a:p>
             <a:fld id="{F0966E41-30C9-42EA-B537-3A4232D579C8}" type="datetimeFigureOut">
               <a:rPr lang="en-US" smtClean="0"/>
-              <a:t>7/19/2025</a:t>
+              <a:t>7/22/2025</a:t>
             </a:fld>
             <a:endParaRPr lang="en-US"/>
           </a:p>
@@ -2667,7 +2676,7 @@
           <a:p>
             <a:fld id="{F0966E41-30C9-42EA-B537-3A4232D579C8}" type="datetimeFigureOut">
               <a:rPr lang="en-US" smtClean="0"/>
-              <a:t>7/19/2025</a:t>
+              <a:t>7/22/2025</a:t>
             </a:fld>
             <a:endParaRPr lang="en-US"/>
           </a:p>
@@ -2908,7 +2917,7 @@
           <a:p>
             <a:fld id="{F0966E41-30C9-42EA-B537-3A4232D579C8}" type="datetimeFigureOut">
               <a:rPr lang="en-US" smtClean="0"/>
-              <a:t>7/19/2025</a:t>
+              <a:t>7/22/2025</a:t>
             </a:fld>
             <a:endParaRPr lang="en-US"/>
           </a:p>
@@ -4143,6 +4152,575 @@
 </p:sld>
 </file>
 
+<file path=ppt/slides/slide6.xml><?xml version="1.0" encoding="utf-8"?>
+<p:sld xmlns:a="http://schemas.openxmlformats.org/drawingml/2006/main" xmlns:r="http://schemas.openxmlformats.org/officeDocument/2006/relationships" xmlns:p="http://schemas.openxmlformats.org/presentationml/2006/main">
+  <p:cSld>
+    <p:spTree>
+      <p:nvGrpSpPr>
+        <p:cNvPr id="1" name=""/>
+        <p:cNvGrpSpPr/>
+        <p:nvPr/>
+      </p:nvGrpSpPr>
+      <p:grpSpPr>
+        <a:xfrm>
+          <a:off x="0" y="0"/>
+          <a:ext cx="0" cy="0"/>
+          <a:chOff x="0" y="0"/>
+          <a:chExt cx="0" cy="0"/>
+        </a:xfrm>
+      </p:grpSpPr>
+      <p:pic>
+        <p:nvPicPr>
+          <p:cNvPr id="5" name="Picture 4">
+            <a:extLst>
+              <a:ext uri="{FF2B5EF4-FFF2-40B4-BE49-F238E27FC236}">
+                <a16:creationId xmlns:a16="http://schemas.microsoft.com/office/drawing/2014/main" id="{0D2E8E55-7E48-9B5C-7C88-EB1312884C58}"/>
+              </a:ext>
+            </a:extLst>
+          </p:cNvPr>
+          <p:cNvPicPr>
+            <a:picLocks noChangeAspect="1"/>
+          </p:cNvPicPr>
+          <p:nvPr/>
+        </p:nvPicPr>
+        <p:blipFill>
+          <a:blip r:embed="rId2"/>
+          <a:stretch>
+            <a:fillRect/>
+          </a:stretch>
+        </p:blipFill>
+        <p:spPr>
+          <a:xfrm>
+            <a:off x="0" y="76359"/>
+            <a:ext cx="12192000" cy="6705281"/>
+          </a:xfrm>
+          <a:prstGeom prst="rect">
+            <a:avLst/>
+          </a:prstGeom>
+        </p:spPr>
+      </p:pic>
+      <p:sp>
+        <p:nvSpPr>
+          <p:cNvPr id="6" name="Rectangle 5">
+            <a:extLst>
+              <a:ext uri="{FF2B5EF4-FFF2-40B4-BE49-F238E27FC236}">
+                <a16:creationId xmlns:a16="http://schemas.microsoft.com/office/drawing/2014/main" id="{5BD98374-43B2-EC8E-E732-9AD7A6AF5EE2}"/>
+              </a:ext>
+            </a:extLst>
+          </p:cNvPr>
+          <p:cNvSpPr/>
+          <p:nvPr/>
+        </p:nvSpPr>
+        <p:spPr>
+          <a:xfrm>
+            <a:off x="9586913" y="76359"/>
+            <a:ext cx="2605087" cy="780891"/>
+          </a:xfrm>
+          <a:prstGeom prst="rect">
+            <a:avLst/>
+          </a:prstGeom>
+          <a:ln>
+            <a:solidFill>
+              <a:schemeClr val="bg1"/>
+            </a:solidFill>
+          </a:ln>
+        </p:spPr>
+        <p:style>
+          <a:lnRef idx="2">
+            <a:schemeClr val="accent6"/>
+          </a:lnRef>
+          <a:fillRef idx="1">
+            <a:schemeClr val="lt1"/>
+          </a:fillRef>
+          <a:effectRef idx="0">
+            <a:schemeClr val="accent6"/>
+          </a:effectRef>
+          <a:fontRef idx="minor">
+            <a:schemeClr val="dk1"/>
+          </a:fontRef>
+        </p:style>
+        <p:txBody>
+          <a:bodyPr rtlCol="0" anchor="ctr"/>
+          <a:lstStyle/>
+          <a:p>
+            <a:pPr algn="ctr"/>
+            <a:endParaRPr lang="en-US"/>
+          </a:p>
+        </p:txBody>
+      </p:sp>
+      <p:sp>
+        <p:nvSpPr>
+          <p:cNvPr id="8" name="Rectangle 7">
+            <a:extLst>
+              <a:ext uri="{FF2B5EF4-FFF2-40B4-BE49-F238E27FC236}">
+                <a16:creationId xmlns:a16="http://schemas.microsoft.com/office/drawing/2014/main" id="{023335C4-69EB-9445-0F98-64E4B23B132A}"/>
+              </a:ext>
+            </a:extLst>
+          </p:cNvPr>
+          <p:cNvSpPr/>
+          <p:nvPr/>
+        </p:nvSpPr>
+        <p:spPr>
+          <a:xfrm>
+            <a:off x="10629900" y="5314950"/>
+            <a:ext cx="1562100" cy="1466690"/>
+          </a:xfrm>
+          <a:prstGeom prst="rect">
+            <a:avLst/>
+          </a:prstGeom>
+          <a:ln>
+            <a:solidFill>
+              <a:schemeClr val="bg1"/>
+            </a:solidFill>
+          </a:ln>
+        </p:spPr>
+        <p:style>
+          <a:lnRef idx="2">
+            <a:schemeClr val="accent6"/>
+          </a:lnRef>
+          <a:fillRef idx="1">
+            <a:schemeClr val="lt1"/>
+          </a:fillRef>
+          <a:effectRef idx="0">
+            <a:schemeClr val="accent6"/>
+          </a:effectRef>
+          <a:fontRef idx="minor">
+            <a:schemeClr val="dk1"/>
+          </a:fontRef>
+        </p:style>
+        <p:txBody>
+          <a:bodyPr rtlCol="0" anchor="ctr"/>
+          <a:lstStyle/>
+          <a:p>
+            <a:pPr algn="ctr"/>
+            <a:endParaRPr lang="en-US"/>
+          </a:p>
+        </p:txBody>
+      </p:sp>
+      <p:sp>
+        <p:nvSpPr>
+          <p:cNvPr id="9" name="TextBox 8">
+            <a:extLst>
+              <a:ext uri="{FF2B5EF4-FFF2-40B4-BE49-F238E27FC236}">
+                <a16:creationId xmlns:a16="http://schemas.microsoft.com/office/drawing/2014/main" id="{ADE061AC-D008-8C39-0E2F-F9C49B2A34F7}"/>
+              </a:ext>
+            </a:extLst>
+          </p:cNvPr>
+          <p:cNvSpPr txBox="1"/>
+          <p:nvPr/>
+        </p:nvSpPr>
+        <p:spPr>
+          <a:xfrm>
+            <a:off x="2514600" y="6415088"/>
+            <a:ext cx="7320594" cy="369332"/>
+          </a:xfrm>
+          <a:prstGeom prst="rect">
+            <a:avLst/>
+          </a:prstGeom>
+          <a:noFill/>
+        </p:spPr>
+        <p:txBody>
+          <a:bodyPr wrap="none" rtlCol="0">
+            <a:spAutoFit/>
+          </a:bodyPr>
+          <a:lstStyle/>
+          <a:p>
+            <a:r>
+              <a:rPr lang="en-US" dirty="0"/>
+              <a:t>After standardization, the mean of the feature will be 0, and the SD will be 1</a:t>
+            </a:r>
+          </a:p>
+        </p:txBody>
+      </p:sp>
+    </p:spTree>
+    <p:extLst>
+      <p:ext uri="{BB962C8B-B14F-4D97-AF65-F5344CB8AC3E}">
+        <p14:creationId xmlns:p14="http://schemas.microsoft.com/office/powerpoint/2010/main" val="3473095804"/>
+      </p:ext>
+    </p:extLst>
+  </p:cSld>
+  <p:clrMapOvr>
+    <a:masterClrMapping/>
+  </p:clrMapOvr>
+</p:sld>
+</file>
+
+<file path=ppt/slides/slide7.xml><?xml version="1.0" encoding="utf-8"?>
+<p:sld xmlns:a="http://schemas.openxmlformats.org/drawingml/2006/main" xmlns:r="http://schemas.openxmlformats.org/officeDocument/2006/relationships" xmlns:p="http://schemas.openxmlformats.org/presentationml/2006/main">
+  <p:cSld>
+    <p:spTree>
+      <p:nvGrpSpPr>
+        <p:cNvPr id="1" name=""/>
+        <p:cNvGrpSpPr/>
+        <p:nvPr/>
+      </p:nvGrpSpPr>
+      <p:grpSpPr>
+        <a:xfrm>
+          <a:off x="0" y="0"/>
+          <a:ext cx="0" cy="0"/>
+          <a:chOff x="0" y="0"/>
+          <a:chExt cx="0" cy="0"/>
+        </a:xfrm>
+      </p:grpSpPr>
+      <p:pic>
+        <p:nvPicPr>
+          <p:cNvPr id="5" name="Picture 4">
+            <a:extLst>
+              <a:ext uri="{FF2B5EF4-FFF2-40B4-BE49-F238E27FC236}">
+                <a16:creationId xmlns:a16="http://schemas.microsoft.com/office/drawing/2014/main" id="{261CB8B5-B285-835A-BB2B-35D904BDF1AB}"/>
+              </a:ext>
+            </a:extLst>
+          </p:cNvPr>
+          <p:cNvPicPr>
+            <a:picLocks noChangeAspect="1"/>
+          </p:cNvPicPr>
+          <p:nvPr/>
+        </p:nvPicPr>
+        <p:blipFill>
+          <a:blip r:embed="rId2"/>
+          <a:stretch>
+            <a:fillRect/>
+          </a:stretch>
+        </p:blipFill>
+        <p:spPr>
+          <a:xfrm>
+            <a:off x="1885950" y="1666875"/>
+            <a:ext cx="8420100" cy="3524250"/>
+          </a:xfrm>
+          <a:prstGeom prst="rect">
+            <a:avLst/>
+          </a:prstGeom>
+        </p:spPr>
+      </p:pic>
+    </p:spTree>
+    <p:extLst>
+      <p:ext uri="{BB962C8B-B14F-4D97-AF65-F5344CB8AC3E}">
+        <p14:creationId xmlns:p14="http://schemas.microsoft.com/office/powerpoint/2010/main" val="1175586976"/>
+      </p:ext>
+    </p:extLst>
+  </p:cSld>
+  <p:clrMapOvr>
+    <a:masterClrMapping/>
+  </p:clrMapOvr>
+</p:sld>
+</file>
+
+<file path=ppt/slides/slide8.xml><?xml version="1.0" encoding="utf-8"?>
+<p:sld xmlns:a="http://schemas.openxmlformats.org/drawingml/2006/main" xmlns:r="http://schemas.openxmlformats.org/officeDocument/2006/relationships" xmlns:p="http://schemas.openxmlformats.org/presentationml/2006/main">
+  <p:cSld>
+    <p:spTree>
+      <p:nvGrpSpPr>
+        <p:cNvPr id="1" name=""/>
+        <p:cNvGrpSpPr/>
+        <p:nvPr/>
+      </p:nvGrpSpPr>
+      <p:grpSpPr>
+        <a:xfrm>
+          <a:off x="0" y="0"/>
+          <a:ext cx="0" cy="0"/>
+          <a:chOff x="0" y="0"/>
+          <a:chExt cx="0" cy="0"/>
+        </a:xfrm>
+      </p:grpSpPr>
+      <p:pic>
+        <p:nvPicPr>
+          <p:cNvPr id="5" name="Picture 4">
+            <a:extLst>
+              <a:ext uri="{FF2B5EF4-FFF2-40B4-BE49-F238E27FC236}">
+                <a16:creationId xmlns:a16="http://schemas.microsoft.com/office/drawing/2014/main" id="{BDBD5694-E02C-63EC-1725-9B3DFED1AA8E}"/>
+              </a:ext>
+            </a:extLst>
+          </p:cNvPr>
+          <p:cNvPicPr>
+            <a:picLocks noChangeAspect="1"/>
+          </p:cNvPicPr>
+          <p:nvPr/>
+        </p:nvPicPr>
+        <p:blipFill>
+          <a:blip r:embed="rId2"/>
+          <a:stretch>
+            <a:fillRect/>
+          </a:stretch>
+        </p:blipFill>
+        <p:spPr>
+          <a:xfrm>
+            <a:off x="0" y="73937"/>
+            <a:ext cx="12192000" cy="6710125"/>
+          </a:xfrm>
+          <a:prstGeom prst="rect">
+            <a:avLst/>
+          </a:prstGeom>
+        </p:spPr>
+      </p:pic>
+      <p:sp>
+        <p:nvSpPr>
+          <p:cNvPr id="6" name="Rectangle 5">
+            <a:extLst>
+              <a:ext uri="{FF2B5EF4-FFF2-40B4-BE49-F238E27FC236}">
+                <a16:creationId xmlns:a16="http://schemas.microsoft.com/office/drawing/2014/main" id="{A0FE8112-F9F3-4C5E-0D7C-1F9C8A988388}"/>
+              </a:ext>
+            </a:extLst>
+          </p:cNvPr>
+          <p:cNvSpPr/>
+          <p:nvPr/>
+        </p:nvSpPr>
+        <p:spPr>
+          <a:xfrm>
+            <a:off x="9586913" y="76359"/>
+            <a:ext cx="2605087" cy="780891"/>
+          </a:xfrm>
+          <a:prstGeom prst="rect">
+            <a:avLst/>
+          </a:prstGeom>
+          <a:ln>
+            <a:solidFill>
+              <a:schemeClr val="bg1"/>
+            </a:solidFill>
+          </a:ln>
+        </p:spPr>
+        <p:style>
+          <a:lnRef idx="2">
+            <a:schemeClr val="accent6"/>
+          </a:lnRef>
+          <a:fillRef idx="1">
+            <a:schemeClr val="lt1"/>
+          </a:fillRef>
+          <a:effectRef idx="0">
+            <a:schemeClr val="accent6"/>
+          </a:effectRef>
+          <a:fontRef idx="minor">
+            <a:schemeClr val="dk1"/>
+          </a:fontRef>
+        </p:style>
+        <p:txBody>
+          <a:bodyPr rtlCol="0" anchor="ctr"/>
+          <a:lstStyle/>
+          <a:p>
+            <a:pPr algn="ctr"/>
+            <a:endParaRPr lang="en-US"/>
+          </a:p>
+        </p:txBody>
+      </p:sp>
+      <p:sp>
+        <p:nvSpPr>
+          <p:cNvPr id="7" name="Rectangle 6">
+            <a:extLst>
+              <a:ext uri="{FF2B5EF4-FFF2-40B4-BE49-F238E27FC236}">
+                <a16:creationId xmlns:a16="http://schemas.microsoft.com/office/drawing/2014/main" id="{D2C37934-0675-FD38-88E5-AA683740B438}"/>
+              </a:ext>
+            </a:extLst>
+          </p:cNvPr>
+          <p:cNvSpPr/>
+          <p:nvPr/>
+        </p:nvSpPr>
+        <p:spPr>
+          <a:xfrm>
+            <a:off x="10629900" y="5314950"/>
+            <a:ext cx="1562100" cy="1466690"/>
+          </a:xfrm>
+          <a:prstGeom prst="rect">
+            <a:avLst/>
+          </a:prstGeom>
+          <a:ln>
+            <a:solidFill>
+              <a:schemeClr val="bg1"/>
+            </a:solidFill>
+          </a:ln>
+        </p:spPr>
+        <p:style>
+          <a:lnRef idx="2">
+            <a:schemeClr val="accent6"/>
+          </a:lnRef>
+          <a:fillRef idx="1">
+            <a:schemeClr val="lt1"/>
+          </a:fillRef>
+          <a:effectRef idx="0">
+            <a:schemeClr val="accent6"/>
+          </a:effectRef>
+          <a:fontRef idx="minor">
+            <a:schemeClr val="dk1"/>
+          </a:fontRef>
+        </p:style>
+        <p:txBody>
+          <a:bodyPr rtlCol="0" anchor="ctr"/>
+          <a:lstStyle/>
+          <a:p>
+            <a:pPr algn="ctr"/>
+            <a:endParaRPr lang="en-US"/>
+          </a:p>
+        </p:txBody>
+      </p:sp>
+    </p:spTree>
+    <p:extLst>
+      <p:ext uri="{BB962C8B-B14F-4D97-AF65-F5344CB8AC3E}">
+        <p14:creationId xmlns:p14="http://schemas.microsoft.com/office/powerpoint/2010/main" val="94072852"/>
+      </p:ext>
+    </p:extLst>
+  </p:cSld>
+  <p:clrMapOvr>
+    <a:masterClrMapping/>
+  </p:clrMapOvr>
+</p:sld>
+</file>
+
+<file path=ppt/slides/slide9.xml><?xml version="1.0" encoding="utf-8"?>
+<p:sld xmlns:a="http://schemas.openxmlformats.org/drawingml/2006/main" xmlns:r="http://schemas.openxmlformats.org/officeDocument/2006/relationships" xmlns:p="http://schemas.openxmlformats.org/presentationml/2006/main">
+  <p:cSld>
+    <p:spTree>
+      <p:nvGrpSpPr>
+        <p:cNvPr id="1" name=""/>
+        <p:cNvGrpSpPr/>
+        <p:nvPr/>
+      </p:nvGrpSpPr>
+      <p:grpSpPr>
+        <a:xfrm>
+          <a:off x="0" y="0"/>
+          <a:ext cx="0" cy="0"/>
+          <a:chOff x="0" y="0"/>
+          <a:chExt cx="0" cy="0"/>
+        </a:xfrm>
+      </p:grpSpPr>
+      <p:pic>
+        <p:nvPicPr>
+          <p:cNvPr id="5" name="Picture 4">
+            <a:extLst>
+              <a:ext uri="{FF2B5EF4-FFF2-40B4-BE49-F238E27FC236}">
+                <a16:creationId xmlns:a16="http://schemas.microsoft.com/office/drawing/2014/main" id="{8D78E758-983E-F33C-0285-79B5E4A5CA43}"/>
+              </a:ext>
+            </a:extLst>
+          </p:cNvPr>
+          <p:cNvPicPr>
+            <a:picLocks noChangeAspect="1"/>
+          </p:cNvPicPr>
+          <p:nvPr/>
+        </p:nvPicPr>
+        <p:blipFill>
+          <a:blip r:embed="rId2"/>
+          <a:stretch>
+            <a:fillRect/>
+          </a:stretch>
+        </p:blipFill>
+        <p:spPr>
+          <a:xfrm>
+            <a:off x="0" y="310563"/>
+            <a:ext cx="12192000" cy="6236874"/>
+          </a:xfrm>
+          <a:prstGeom prst="rect">
+            <a:avLst/>
+          </a:prstGeom>
+        </p:spPr>
+      </p:pic>
+      <p:sp>
+        <p:nvSpPr>
+          <p:cNvPr id="6" name="Rectangle 5">
+            <a:extLst>
+              <a:ext uri="{FF2B5EF4-FFF2-40B4-BE49-F238E27FC236}">
+                <a16:creationId xmlns:a16="http://schemas.microsoft.com/office/drawing/2014/main" id="{01CDD686-F6D0-873A-BB77-E853FBF36C00}"/>
+              </a:ext>
+            </a:extLst>
+          </p:cNvPr>
+          <p:cNvSpPr/>
+          <p:nvPr/>
+        </p:nvSpPr>
+        <p:spPr>
+          <a:xfrm>
+            <a:off x="9472613" y="310563"/>
+            <a:ext cx="2605087" cy="780891"/>
+          </a:xfrm>
+          <a:prstGeom prst="rect">
+            <a:avLst/>
+          </a:prstGeom>
+          <a:ln>
+            <a:solidFill>
+              <a:schemeClr val="bg1"/>
+            </a:solidFill>
+          </a:ln>
+        </p:spPr>
+        <p:style>
+          <a:lnRef idx="2">
+            <a:schemeClr val="accent6"/>
+          </a:lnRef>
+          <a:fillRef idx="1">
+            <a:schemeClr val="lt1"/>
+          </a:fillRef>
+          <a:effectRef idx="0">
+            <a:schemeClr val="accent6"/>
+          </a:effectRef>
+          <a:fontRef idx="minor">
+            <a:schemeClr val="dk1"/>
+          </a:fontRef>
+        </p:style>
+        <p:txBody>
+          <a:bodyPr rtlCol="0" anchor="ctr"/>
+          <a:lstStyle/>
+          <a:p>
+            <a:pPr algn="ctr"/>
+            <a:endParaRPr lang="en-US"/>
+          </a:p>
+        </p:txBody>
+      </p:sp>
+      <p:sp>
+        <p:nvSpPr>
+          <p:cNvPr id="7" name="Rectangle 6">
+            <a:extLst>
+              <a:ext uri="{FF2B5EF4-FFF2-40B4-BE49-F238E27FC236}">
+                <a16:creationId xmlns:a16="http://schemas.microsoft.com/office/drawing/2014/main" id="{EDE3B2DF-FB23-638B-9EB9-AD65BC3034D0}"/>
+              </a:ext>
+            </a:extLst>
+          </p:cNvPr>
+          <p:cNvSpPr/>
+          <p:nvPr/>
+        </p:nvSpPr>
+        <p:spPr>
+          <a:xfrm>
+            <a:off x="10572750" y="5549154"/>
+            <a:ext cx="1619250" cy="998283"/>
+          </a:xfrm>
+          <a:prstGeom prst="rect">
+            <a:avLst/>
+          </a:prstGeom>
+          <a:ln>
+            <a:solidFill>
+              <a:schemeClr val="bg1"/>
+            </a:solidFill>
+          </a:ln>
+        </p:spPr>
+        <p:style>
+          <a:lnRef idx="2">
+            <a:schemeClr val="accent6"/>
+          </a:lnRef>
+          <a:fillRef idx="1">
+            <a:schemeClr val="lt1"/>
+          </a:fillRef>
+          <a:effectRef idx="0">
+            <a:schemeClr val="accent6"/>
+          </a:effectRef>
+          <a:fontRef idx="minor">
+            <a:schemeClr val="dk1"/>
+          </a:fontRef>
+        </p:style>
+        <p:txBody>
+          <a:bodyPr rtlCol="0" anchor="ctr"/>
+          <a:lstStyle/>
+          <a:p>
+            <a:pPr algn="ctr"/>
+            <a:endParaRPr lang="en-US"/>
+          </a:p>
+        </p:txBody>
+      </p:sp>
+    </p:spTree>
+    <p:extLst>
+      <p:ext uri="{BB962C8B-B14F-4D97-AF65-F5344CB8AC3E}">
+        <p14:creationId xmlns:p14="http://schemas.microsoft.com/office/powerpoint/2010/main" val="2644324886"/>
+      </p:ext>
+    </p:extLst>
+  </p:cSld>
+  <p:clrMapOvr>
+    <a:masterClrMapping/>
+  </p:clrMapOvr>
+</p:sld>
+</file>
+
 <file path=ppt/theme/theme1.xml><?xml version="1.0" encoding="utf-8"?>
 <a:theme xmlns:a="http://schemas.openxmlformats.org/drawingml/2006/main" name="Office Theme">
   <a:themeElements>
